--- a/CNPM Thuyết trình.pptx
+++ b/CNPM Thuyết trình.pptx
@@ -113,6 +113,11 @@
       </a:defRPr>
     </a:lvl9pPr>
   </p:defaultTextStyle>
+  <p:extLst>
+    <p:ext uri="{EFAFB233-063F-42B5-8137-9DF3F51BA10A}">
+      <p15:sldGuideLst xmlns:p15="http://schemas.microsoft.com/office/powerpoint/2012/main"/>
+    </p:ext>
+  </p:extLst>
 </p:presentation>
 </file>
 
@@ -618,7 +623,7 @@
           <a:p>
             <a:fld id="{79F4D8C5-91B0-454B-8A48-B5E82FAB963F}" type="datetimeFigureOut">
               <a:rPr lang="en-US" smtClean="0"/>
-              <a:t>05/12/2020</a:t>
+              <a:t>12/5/2020</a:t>
             </a:fld>
             <a:endParaRPr lang="en-US"/>
           </a:p>
@@ -826,7 +831,6 @@
               <a:rPr lang="en-US"/>
               <a:t>Click icon to add picture</a:t>
             </a:r>
-            <a:endParaRPr lang="en-US" dirty="0"/>
           </a:p>
         </p:txBody>
       </p:sp>
@@ -914,7 +918,7 @@
           <a:p>
             <a:fld id="{79F4D8C5-91B0-454B-8A48-B5E82FAB963F}" type="datetimeFigureOut">
               <a:rPr lang="en-US" smtClean="0"/>
-              <a:t>05/12/2020</a:t>
+              <a:t>12/5/2020</a:t>
             </a:fld>
             <a:endParaRPr lang="en-US"/>
           </a:p>
@@ -1162,7 +1166,7 @@
           <a:p>
             <a:fld id="{79F4D8C5-91B0-454B-8A48-B5E82FAB963F}" type="datetimeFigureOut">
               <a:rPr lang="en-US" smtClean="0"/>
-              <a:t>05/12/2020</a:t>
+              <a:t>12/5/2020</a:t>
             </a:fld>
             <a:endParaRPr lang="en-US"/>
           </a:p>
@@ -1345,7 +1349,7 @@
           <a:p>
             <a:pPr lvl="0"/>
             <a:r>
-              <a:rPr lang="en-US" sz="8000" dirty="0">
+              <a:rPr lang="en-US" sz="8000">
                 <a:solidFill>
                   <a:schemeClr val="tx1"/>
                 </a:solidFill>
@@ -1461,7 +1465,7 @@
           <a:p>
             <a:pPr lvl="0" algn="r"/>
             <a:r>
-              <a:rPr lang="en-US" sz="8000" dirty="0">
+              <a:rPr lang="en-US" sz="8000">
                 <a:solidFill>
                   <a:schemeClr val="tx1"/>
                 </a:solidFill>
@@ -1702,7 +1706,7 @@
           <a:p>
             <a:fld id="{79F4D8C5-91B0-454B-8A48-B5E82FAB963F}" type="datetimeFigureOut">
               <a:rPr lang="en-US" smtClean="0"/>
-              <a:t>05/12/2020</a:t>
+              <a:t>12/5/2020</a:t>
             </a:fld>
             <a:endParaRPr lang="en-US"/>
           </a:p>
@@ -1950,7 +1954,7 @@
           <a:p>
             <a:fld id="{79F4D8C5-91B0-454B-8A48-B5E82FAB963F}" type="datetimeFigureOut">
               <a:rPr lang="en-US" smtClean="0"/>
-              <a:t>05/12/2020</a:t>
+              <a:t>12/5/2020</a:t>
             </a:fld>
             <a:endParaRPr lang="en-US"/>
           </a:p>
@@ -2133,7 +2137,7 @@
           <a:p>
             <a:pPr lvl="0"/>
             <a:r>
-              <a:rPr lang="en-US" sz="8000" dirty="0">
+              <a:rPr lang="en-US" sz="8000">
                 <a:solidFill>
                   <a:schemeClr val="tx1"/>
                 </a:solidFill>
@@ -2249,7 +2253,7 @@
           <a:p>
             <a:pPr lvl="0" algn="r"/>
             <a:r>
-              <a:rPr lang="en-US" sz="8000" dirty="0">
+              <a:rPr lang="en-US" sz="8000">
                 <a:solidFill>
                   <a:schemeClr val="tx1"/>
                 </a:solidFill>
@@ -2482,7 +2486,7 @@
           <a:p>
             <a:fld id="{79F4D8C5-91B0-454B-8A48-B5E82FAB963F}" type="datetimeFigureOut">
               <a:rPr lang="en-US" smtClean="0"/>
-              <a:t>05/12/2020</a:t>
+              <a:t>12/5/2020</a:t>
             </a:fld>
             <a:endParaRPr lang="en-US"/>
           </a:p>
@@ -2779,7 +2783,7 @@
           <a:p>
             <a:fld id="{79F4D8C5-91B0-454B-8A48-B5E82FAB963F}" type="datetimeFigureOut">
               <a:rPr lang="en-US" smtClean="0"/>
-              <a:t>05/12/2020</a:t>
+              <a:t>12/5/2020</a:t>
             </a:fld>
             <a:endParaRPr lang="en-US"/>
           </a:p>
@@ -2953,7 +2957,7 @@
           <a:p>
             <a:fld id="{79F4D8C5-91B0-454B-8A48-B5E82FAB963F}" type="datetimeFigureOut">
               <a:rPr lang="en-US" smtClean="0"/>
-              <a:t>05/12/2020</a:t>
+              <a:t>12/5/2020</a:t>
             </a:fld>
             <a:endParaRPr lang="en-US"/>
           </a:p>
@@ -3133,7 +3137,7 @@
           <a:p>
             <a:fld id="{79F4D8C5-91B0-454B-8A48-B5E82FAB963F}" type="datetimeFigureOut">
               <a:rPr lang="en-US" smtClean="0"/>
-              <a:t>05/12/2020</a:t>
+              <a:t>12/5/2020</a:t>
             </a:fld>
             <a:endParaRPr lang="en-US"/>
           </a:p>
@@ -3303,7 +3307,7 @@
           <a:p>
             <a:fld id="{79F4D8C5-91B0-454B-8A48-B5E82FAB963F}" type="datetimeFigureOut">
               <a:rPr lang="en-US" smtClean="0"/>
-              <a:t>05/12/2020</a:t>
+              <a:t>12/5/2020</a:t>
             </a:fld>
             <a:endParaRPr lang="en-US"/>
           </a:p>
@@ -3554,7 +3558,7 @@
           <a:p>
             <a:fld id="{79F4D8C5-91B0-454B-8A48-B5E82FAB963F}" type="datetimeFigureOut">
               <a:rPr lang="en-US" smtClean="0"/>
-              <a:t>05/12/2020</a:t>
+              <a:t>12/5/2020</a:t>
             </a:fld>
             <a:endParaRPr lang="en-US"/>
           </a:p>
@@ -3851,7 +3855,7 @@
           <a:p>
             <a:fld id="{79F4D8C5-91B0-454B-8A48-B5E82FAB963F}" type="datetimeFigureOut">
               <a:rPr lang="en-US" smtClean="0"/>
-              <a:t>05/12/2020</a:t>
+              <a:t>12/5/2020</a:t>
             </a:fld>
             <a:endParaRPr lang="en-US"/>
           </a:p>
@@ -4293,7 +4297,7 @@
           <a:p>
             <a:fld id="{79F4D8C5-91B0-454B-8A48-B5E82FAB963F}" type="datetimeFigureOut">
               <a:rPr lang="en-US" smtClean="0"/>
-              <a:t>05/12/2020</a:t>
+              <a:t>12/5/2020</a:t>
             </a:fld>
             <a:endParaRPr lang="en-US"/>
           </a:p>
@@ -4411,7 +4415,7 @@
           <a:p>
             <a:fld id="{79F4D8C5-91B0-454B-8A48-B5E82FAB963F}" type="datetimeFigureOut">
               <a:rPr lang="en-US" smtClean="0"/>
-              <a:t>05/12/2020</a:t>
+              <a:t>12/5/2020</a:t>
             </a:fld>
             <a:endParaRPr lang="en-US"/>
           </a:p>
@@ -4506,7 +4510,7 @@
           <a:p>
             <a:fld id="{79F4D8C5-91B0-454B-8A48-B5E82FAB963F}" type="datetimeFigureOut">
               <a:rPr lang="en-US" smtClean="0"/>
-              <a:t>05/12/2020</a:t>
+              <a:t>12/5/2020</a:t>
             </a:fld>
             <a:endParaRPr lang="en-US"/>
           </a:p>
@@ -4789,7 +4793,7 @@
           <a:p>
             <a:fld id="{79F4D8C5-91B0-454B-8A48-B5E82FAB963F}" type="datetimeFigureOut">
               <a:rPr lang="en-US" smtClean="0"/>
-              <a:t>05/12/2020</a:t>
+              <a:t>12/5/2020</a:t>
             </a:fld>
             <a:endParaRPr lang="en-US"/>
           </a:p>
@@ -4992,7 +4996,6 @@
               <a:rPr lang="en-US"/>
               <a:t>Click icon to add picture</a:t>
             </a:r>
-            <a:endParaRPr lang="en-US" dirty="0"/>
           </a:p>
         </p:txBody>
       </p:sp>
@@ -5080,7 +5083,7 @@
           <a:p>
             <a:fld id="{79F4D8C5-91B0-454B-8A48-B5E82FAB963F}" type="datetimeFigureOut">
               <a:rPr lang="en-US" smtClean="0"/>
-              <a:t>05/12/2020</a:t>
+              <a:t>12/5/2020</a:t>
             </a:fld>
             <a:endParaRPr lang="en-US"/>
           </a:p>
@@ -5610,7 +5613,7 @@
           <a:p>
             <a:fld id="{79F4D8C5-91B0-454B-8A48-B5E82FAB963F}" type="datetimeFigureOut">
               <a:rPr lang="en-US" smtClean="0"/>
-              <a:t>05/12/2020</a:t>
+              <a:t>12/5/2020</a:t>
             </a:fld>
             <a:endParaRPr lang="en-US"/>
           </a:p>
@@ -6240,7 +6243,7 @@
                 <a:cs typeface="Arial" panose="020B0604020202020204" pitchFamily="34" charset="0"/>
               </a:rPr>
             </a:br>
-            <a:endParaRPr lang="en-US" sz="2800" dirty="0">
+            <a:endParaRPr lang="en-US" sz="2800">
               <a:latin typeface="Arial" panose="020B0604020202020204" pitchFamily="34" charset="0"/>
               <a:cs typeface="Arial" panose="020B0604020202020204" pitchFamily="34" charset="0"/>
             </a:endParaRPr>
@@ -6486,7 +6489,7 @@
           </a:p>
           <a:p>
             <a:pPr algn="l"/>
-            <a:endParaRPr lang="en-US" sz="1700" dirty="0"/>
+            <a:endParaRPr lang="en-US" sz="1700"/>
           </a:p>
         </p:txBody>
       </p:sp>
@@ -6539,93 +6542,17 @@
           </a:lstStyle>
           <a:p>
             <a:br>
-              <a:rPr lang="en-US" sz="2800" dirty="0">
+              <a:rPr lang="en-US" sz="2800">
                 <a:latin typeface="Arial" panose="020B0604020202020204" pitchFamily="34" charset="0"/>
                 <a:cs typeface="Arial" panose="020B0604020202020204" pitchFamily="34" charset="0"/>
               </a:rPr>
             </a:br>
             <a:r>
-              <a:rPr lang="en-US" sz="2800" dirty="0">
+              <a:rPr lang="en-US" sz="2800">
                 <a:latin typeface="Arial" panose="020B0604020202020204" pitchFamily="34" charset="0"/>
                 <a:cs typeface="Arial" panose="020B0604020202020204" pitchFamily="34" charset="0"/>
               </a:rPr>
               <a:t>  </a:t>
-            </a:r>
-            <a:br>
-              <a:rPr lang="en-US" sz="2800" dirty="0">
-                <a:latin typeface="Arial" panose="020B0604020202020204" pitchFamily="34" charset="0"/>
-                <a:cs typeface="Arial" panose="020B0604020202020204" pitchFamily="34" charset="0"/>
-              </a:rPr>
-            </a:br>
-            <a:r>
-              <a:rPr lang="en-US" sz="2800" b="1" dirty="0">
-                <a:latin typeface="Arial" panose="020B0604020202020204" pitchFamily="34" charset="0"/>
-                <a:cs typeface="Arial" panose="020B0604020202020204" pitchFamily="34" charset="0"/>
-              </a:rPr>
-              <a:t>BÁO CÁO </a:t>
-            </a:r>
-            <a:r>
-              <a:rPr lang="en-US" sz="2800" b="1" dirty="0" err="1">
-                <a:latin typeface="Arial" panose="020B0604020202020204" pitchFamily="34" charset="0"/>
-                <a:cs typeface="Arial" panose="020B0604020202020204" pitchFamily="34" charset="0"/>
-              </a:rPr>
-              <a:t>Môn</a:t>
-            </a:r>
-            <a:r>
-              <a:rPr lang="en-US" sz="2800" b="1" dirty="0">
-                <a:latin typeface="Arial" panose="020B0604020202020204" pitchFamily="34" charset="0"/>
-                <a:cs typeface="Arial" panose="020B0604020202020204" pitchFamily="34" charset="0"/>
-              </a:rPr>
-              <a:t> </a:t>
-            </a:r>
-            <a:r>
-              <a:rPr lang="en-US" sz="2800" b="1" dirty="0" err="1">
-                <a:latin typeface="Arial" panose="020B0604020202020204" pitchFamily="34" charset="0"/>
-                <a:cs typeface="Arial" panose="020B0604020202020204" pitchFamily="34" charset="0"/>
-              </a:rPr>
-              <a:t>CÔng</a:t>
-            </a:r>
-            <a:r>
-              <a:rPr lang="en-US" sz="2800" b="1" dirty="0">
-                <a:latin typeface="Arial" panose="020B0604020202020204" pitchFamily="34" charset="0"/>
-                <a:cs typeface="Arial" panose="020B0604020202020204" pitchFamily="34" charset="0"/>
-              </a:rPr>
-              <a:t> </a:t>
-            </a:r>
-            <a:r>
-              <a:rPr lang="en-US" sz="2800" b="1" dirty="0" err="1">
-                <a:latin typeface="Arial" panose="020B0604020202020204" pitchFamily="34" charset="0"/>
-                <a:cs typeface="Arial" panose="020B0604020202020204" pitchFamily="34" charset="0"/>
-              </a:rPr>
-              <a:t>Nghệ</a:t>
-            </a:r>
-            <a:r>
-              <a:rPr lang="en-US" sz="2800" b="1" dirty="0">
-                <a:latin typeface="Arial" panose="020B0604020202020204" pitchFamily="34" charset="0"/>
-                <a:cs typeface="Arial" panose="020B0604020202020204" pitchFamily="34" charset="0"/>
-              </a:rPr>
-              <a:t> </a:t>
-            </a:r>
-            <a:r>
-              <a:rPr lang="en-US" sz="2800" b="1" dirty="0" err="1">
-                <a:latin typeface="Arial" panose="020B0604020202020204" pitchFamily="34" charset="0"/>
-                <a:cs typeface="Arial" panose="020B0604020202020204" pitchFamily="34" charset="0"/>
-              </a:rPr>
-              <a:t>Phần</a:t>
-            </a:r>
-            <a:r>
-              <a:rPr lang="en-US" sz="2800" b="1" dirty="0">
-                <a:latin typeface="Arial" panose="020B0604020202020204" pitchFamily="34" charset="0"/>
-                <a:cs typeface="Arial" panose="020B0604020202020204" pitchFamily="34" charset="0"/>
-              </a:rPr>
-              <a:t> </a:t>
-            </a:r>
-            <a:r>
-              <a:rPr lang="en-US" sz="2800" b="1" dirty="0" err="1">
-                <a:latin typeface="Arial" panose="020B0604020202020204" pitchFamily="34" charset="0"/>
-                <a:cs typeface="Arial" panose="020B0604020202020204" pitchFamily="34" charset="0"/>
-              </a:rPr>
-              <a:t>Mềm</a:t>
             </a:r>
             <a:br>
               <a:rPr lang="en-US" sz="2800">
@@ -6634,75 +6561,151 @@
               </a:rPr>
             </a:br>
             <a:r>
-              <a:rPr lang="en-US" sz="1600"/>
-              <a:t>Giảng </a:t>
-            </a:r>
-            <a:r>
-              <a:rPr lang="en-US" sz="1600" dirty="0" err="1"/>
-              <a:t>viên</a:t>
-            </a:r>
-            <a:r>
-              <a:rPr lang="en-US" sz="1600" dirty="0"/>
+              <a:rPr lang="en-US" sz="2800" b="1">
+                <a:latin typeface="Arial" panose="020B0604020202020204" pitchFamily="34" charset="0"/>
+                <a:cs typeface="Arial" panose="020B0604020202020204" pitchFamily="34" charset="0"/>
+              </a:rPr>
+              <a:t>BÁO CÁO </a:t>
+            </a:r>
+            <a:r>
+              <a:rPr lang="en-US" sz="2800" b="1" err="1">
+                <a:latin typeface="Arial" panose="020B0604020202020204" pitchFamily="34" charset="0"/>
+                <a:cs typeface="Arial" panose="020B0604020202020204" pitchFamily="34" charset="0"/>
+              </a:rPr>
+              <a:t>Môn</a:t>
+            </a:r>
+            <a:r>
+              <a:rPr lang="en-US" sz="2800" b="1">
+                <a:latin typeface="Arial" panose="020B0604020202020204" pitchFamily="34" charset="0"/>
+                <a:cs typeface="Arial" panose="020B0604020202020204" pitchFamily="34" charset="0"/>
+              </a:rPr>
               <a:t> </a:t>
             </a:r>
             <a:r>
-              <a:rPr lang="en-US" sz="1600" dirty="0" err="1"/>
-              <a:t>hướng</a:t>
-            </a:r>
-            <a:r>
-              <a:rPr lang="en-US" sz="1600" dirty="0"/>
+              <a:rPr lang="en-US" sz="2800" b="1" err="1">
+                <a:latin typeface="Arial" panose="020B0604020202020204" pitchFamily="34" charset="0"/>
+                <a:cs typeface="Arial" panose="020B0604020202020204" pitchFamily="34" charset="0"/>
+              </a:rPr>
+              <a:t>CÔng</a:t>
+            </a:r>
+            <a:r>
+              <a:rPr lang="en-US" sz="2800" b="1">
+                <a:latin typeface="Arial" panose="020B0604020202020204" pitchFamily="34" charset="0"/>
+                <a:cs typeface="Arial" panose="020B0604020202020204" pitchFamily="34" charset="0"/>
+              </a:rPr>
               <a:t> </a:t>
             </a:r>
             <a:r>
-              <a:rPr lang="en-US" sz="1600" dirty="0" err="1"/>
-              <a:t>dẫn</a:t>
-            </a:r>
-            <a:r>
-              <a:rPr lang="en-US" sz="1600" dirty="0"/>
-              <a:t>:</a:t>
-            </a:r>
-            <a:r>
-              <a:rPr lang="en-US" sz="1600" b="1" dirty="0"/>
+              <a:rPr lang="en-US" sz="2800" b="1" err="1">
+                <a:latin typeface="Arial" panose="020B0604020202020204" pitchFamily="34" charset="0"/>
+                <a:cs typeface="Arial" panose="020B0604020202020204" pitchFamily="34" charset="0"/>
+              </a:rPr>
+              <a:t>Nghệ</a:t>
+            </a:r>
+            <a:r>
+              <a:rPr lang="en-US" sz="2800" b="1">
+                <a:latin typeface="Arial" panose="020B0604020202020204" pitchFamily="34" charset="0"/>
+                <a:cs typeface="Arial" panose="020B0604020202020204" pitchFamily="34" charset="0"/>
+              </a:rPr>
               <a:t> </a:t>
             </a:r>
             <a:r>
-              <a:rPr lang="en-US" sz="1600" dirty="0"/>
-              <a:t>TS.</a:t>
-            </a:r>
-            <a:r>
-              <a:rPr lang="en-US" sz="1600" b="1" dirty="0"/>
+              <a:rPr lang="en-US" sz="2800" b="1" err="1">
+                <a:latin typeface="Arial" panose="020B0604020202020204" pitchFamily="34" charset="0"/>
+                <a:cs typeface="Arial" panose="020B0604020202020204" pitchFamily="34" charset="0"/>
+              </a:rPr>
+              <a:t>Phần</a:t>
+            </a:r>
+            <a:r>
+              <a:rPr lang="en-US" sz="2800" b="1">
+                <a:latin typeface="Arial" panose="020B0604020202020204" pitchFamily="34" charset="0"/>
+                <a:cs typeface="Arial" panose="020B0604020202020204" pitchFamily="34" charset="0"/>
+              </a:rPr>
               <a:t> </a:t>
             </a:r>
             <a:r>
-              <a:rPr lang="en-US" sz="1600" dirty="0" err="1"/>
-              <a:t>Nguyễn</a:t>
-            </a:r>
-            <a:r>
-              <a:rPr lang="en-US" sz="1600" dirty="0"/>
-              <a:t> </a:t>
-            </a:r>
-            <a:r>
-              <a:rPr lang="en-US" sz="1600" dirty="0" err="1"/>
-              <a:t>Thành</a:t>
-            </a:r>
-            <a:r>
-              <a:rPr lang="en-US" sz="1600" dirty="0"/>
-              <a:t> </a:t>
-            </a:r>
-            <a:r>
-              <a:rPr lang="en-US" sz="1600" dirty="0" err="1"/>
-              <a:t>Huy</a:t>
-            </a:r>
-            <a:endParaRPr lang="en-US" sz="1600" dirty="0"/>
-          </a:p>
-          <a:p>
+              <a:rPr lang="en-US" sz="2800" b="1" err="1">
+                <a:latin typeface="Arial" panose="020B0604020202020204" pitchFamily="34" charset="0"/>
+                <a:cs typeface="Arial" panose="020B0604020202020204" pitchFamily="34" charset="0"/>
+              </a:rPr>
+              <a:t>Mềm</a:t>
+            </a:r>
             <a:br>
-              <a:rPr lang="en-US" sz="2800" dirty="0">
+              <a:rPr lang="en-US" sz="2800">
                 <a:latin typeface="Arial" panose="020B0604020202020204" pitchFamily="34" charset="0"/>
                 <a:cs typeface="Arial" panose="020B0604020202020204" pitchFamily="34" charset="0"/>
               </a:rPr>
             </a:br>
-            <a:endParaRPr lang="en-US" sz="2800" dirty="0">
+            <a:r>
+              <a:rPr lang="en-US" sz="1600"/>
+              <a:t>Giảng </a:t>
+            </a:r>
+            <a:r>
+              <a:rPr lang="en-US" sz="1600" err="1"/>
+              <a:t>viên</a:t>
+            </a:r>
+            <a:r>
+              <a:rPr lang="en-US" sz="1600"/>
+              <a:t> </a:t>
+            </a:r>
+            <a:r>
+              <a:rPr lang="en-US" sz="1600" err="1"/>
+              <a:t>hướng</a:t>
+            </a:r>
+            <a:r>
+              <a:rPr lang="en-US" sz="1600"/>
+              <a:t> </a:t>
+            </a:r>
+            <a:r>
+              <a:rPr lang="en-US" sz="1600" err="1"/>
+              <a:t>dẫn</a:t>
+            </a:r>
+            <a:r>
+              <a:rPr lang="en-US" sz="1600"/>
+              <a:t>:</a:t>
+            </a:r>
+            <a:r>
+              <a:rPr lang="en-US" sz="1600" b="1"/>
+              <a:t> </a:t>
+            </a:r>
+            <a:r>
+              <a:rPr lang="en-US" sz="1600"/>
+              <a:t>TS.</a:t>
+            </a:r>
+            <a:r>
+              <a:rPr lang="en-US" sz="1600" b="1"/>
+              <a:t> </a:t>
+            </a:r>
+            <a:r>
+              <a:rPr lang="en-US" sz="1600" err="1"/>
+              <a:t>Nguyễn</a:t>
+            </a:r>
+            <a:r>
+              <a:rPr lang="en-US" sz="1600"/>
+              <a:t> </a:t>
+            </a:r>
+            <a:r>
+              <a:rPr lang="en-US" sz="1600" err="1"/>
+              <a:t>Thành</a:t>
+            </a:r>
+            <a:r>
+              <a:rPr lang="en-US" sz="1600"/>
+              <a:t> </a:t>
+            </a:r>
+            <a:r>
+              <a:rPr lang="en-US" sz="1600" err="1"/>
+              <a:t>Huy</a:t>
+            </a:r>
+            <a:endParaRPr lang="en-US" sz="1600"/>
+          </a:p>
+          <a:p>
+            <a:br>
+              <a:rPr lang="en-US" sz="2800">
+                <a:latin typeface="Arial" panose="020B0604020202020204" pitchFamily="34" charset="0"/>
+                <a:cs typeface="Arial" panose="020B0604020202020204" pitchFamily="34" charset="0"/>
+              </a:rPr>
+            </a:br>
+            <a:endParaRPr lang="en-US" sz="2800">
               <a:latin typeface="Arial" panose="020B0604020202020204" pitchFamily="34" charset="0"/>
               <a:cs typeface="Arial" panose="020B0604020202020204" pitchFamily="34" charset="0"/>
             </a:endParaRPr>
@@ -7379,7 +7382,12 @@
             <p:ph type="title"/>
           </p:nvPr>
         </p:nvSpPr>
-        <p:spPr/>
+        <p:spPr>
+          <a:xfrm>
+            <a:off x="1086643" y="735784"/>
+            <a:ext cx="10018713" cy="1752599"/>
+          </a:xfrm>
+        </p:spPr>
         <p:txBody>
           <a:bodyPr/>
           <a:lstStyle/>
@@ -7407,7 +7415,12 @@
             <p:ph idx="1"/>
           </p:nvPr>
         </p:nvSpPr>
-        <p:spPr/>
+        <p:spPr>
+          <a:xfrm>
+            <a:off x="1484310" y="2121715"/>
+            <a:ext cx="10018713" cy="3124201"/>
+          </a:xfrm>
+        </p:spPr>
         <p:txBody>
           <a:bodyPr/>
           <a:lstStyle/>
